--- a/Best of Life Presentation.pptx
+++ b/Best of Life Presentation.pptx
@@ -10,8 +10,8 @@
   <p:sldIdLst>
     <p:sldId id="256" r:id="rId2"/>
     <p:sldId id="265" r:id="rId3"/>
-    <p:sldId id="257" r:id="rId4"/>
-    <p:sldId id="260" r:id="rId5"/>
+    <p:sldId id="260" r:id="rId4"/>
+    <p:sldId id="257" r:id="rId5"/>
     <p:sldId id="261" r:id="rId6"/>
     <p:sldId id="258" r:id="rId7"/>
     <p:sldId id="264" r:id="rId8"/>
@@ -515,7 +515,10 @@
           <a:bodyPr/>
           <a:lstStyle/>
           <a:p>
-            <a:endParaRPr lang="en-US" dirty="0"/>
+            <a:r>
+              <a:rPr lang="en-US" dirty="0"/>
+              <a:t>Adam</a:t>
+            </a:r>
           </a:p>
         </p:txBody>
       </p:sp>
@@ -599,7 +602,10 @@
           <a:bodyPr/>
           <a:lstStyle/>
           <a:p>
-            <a:endParaRPr lang="en-US" dirty="0"/>
+            <a:r>
+              <a:rPr lang="en-US" dirty="0"/>
+              <a:t>Bobby</a:t>
+            </a:r>
           </a:p>
         </p:txBody>
       </p:sp>
@@ -629,7 +635,7 @@
     </p:spTree>
     <p:extLst>
       <p:ext uri="{BB962C8B-B14F-4D97-AF65-F5344CB8AC3E}">
-        <p14:creationId xmlns:p14="http://schemas.microsoft.com/office/powerpoint/2010/main" val="2795735716"/>
+        <p14:creationId xmlns:p14="http://schemas.microsoft.com/office/powerpoint/2010/main" val="3395942388"/>
       </p:ext>
     </p:extLst>
   </p:cSld>
@@ -683,7 +689,10 @@
           <a:bodyPr/>
           <a:lstStyle/>
           <a:p>
-            <a:endParaRPr lang="en-US" dirty="0"/>
+            <a:r>
+              <a:rPr lang="en-US" dirty="0"/>
+              <a:t>Bobby</a:t>
+            </a:r>
           </a:p>
         </p:txBody>
       </p:sp>
@@ -713,7 +722,7 @@
     </p:spTree>
     <p:extLst>
       <p:ext uri="{BB962C8B-B14F-4D97-AF65-F5344CB8AC3E}">
-        <p14:creationId xmlns:p14="http://schemas.microsoft.com/office/powerpoint/2010/main" val="3395942388"/>
+        <p14:creationId xmlns:p14="http://schemas.microsoft.com/office/powerpoint/2010/main" val="2795735716"/>
       </p:ext>
     </p:extLst>
   </p:cSld>
@@ -767,7 +776,10 @@
           <a:bodyPr/>
           <a:lstStyle/>
           <a:p>
-            <a:endParaRPr lang="en-US" dirty="0"/>
+            <a:r>
+              <a:rPr lang="en-US" dirty="0"/>
+              <a:t>Doug – Bobby does demo</a:t>
+            </a:r>
           </a:p>
         </p:txBody>
       </p:sp>
@@ -851,6 +863,10 @@
           <a:bodyPr/>
           <a:lstStyle/>
           <a:p>
+            <a:r>
+              <a:rPr lang="en-US" dirty="0" err="1"/>
+              <a:t>Ibad</a:t>
+            </a:r>
             <a:endParaRPr lang="en-US" dirty="0"/>
           </a:p>
         </p:txBody>
@@ -935,6 +951,18 @@
           <a:bodyPr/>
           <a:lstStyle/>
           <a:p>
+            <a:r>
+              <a:rPr lang="en-US" dirty="0" err="1"/>
+              <a:t>Ibad</a:t>
+            </a:r>
+            <a:r>
+              <a:rPr lang="en-US" dirty="0"/>
+              <a:t> – go to sublime code for Doug and Adam </a:t>
+            </a:r>
+            <a:r>
+              <a:rPr lang="en-US"/>
+              <a:t>to explain</a:t>
+            </a:r>
             <a:endParaRPr lang="en-US" dirty="0"/>
           </a:p>
         </p:txBody>
@@ -4491,7 +4519,7 @@
             </a:r>
             <a:r>
               <a:rPr lang="en-US" sz="2400" dirty="0"/>
-              <a:t> Aslam, Bobby Frazette, Kevin Smart-Abbey, &amp; Adam </a:t>
+              <a:t> Aslam, Bobby Frazette &amp; Adam </a:t>
             </a:r>
             <a:r>
               <a:rPr lang="en-US" sz="2400" dirty="0" err="1"/>
@@ -4874,6 +4902,106 @@
           <a:bodyPr/>
           <a:lstStyle/>
           <a:p>
+            <a:r>
+              <a:rPr lang="en-US" dirty="0"/>
+              <a:t>Best of Life is a tool that anyone can use to find the “best of” something within a certain distance from a certain location</a:t>
+            </a:r>
+          </a:p>
+        </p:txBody>
+      </p:sp>
+      <p:pic>
+        <p:nvPicPr>
+          <p:cNvPr id="6" name="Picture 5"/>
+          <p:cNvPicPr>
+            <a:picLocks noChangeAspect="1"/>
+          </p:cNvPicPr>
+          <p:nvPr/>
+        </p:nvPicPr>
+        <p:blipFill>
+          <a:blip r:embed="rId3"/>
+          <a:stretch>
+            <a:fillRect/>
+          </a:stretch>
+        </p:blipFill>
+        <p:spPr>
+          <a:xfrm>
+            <a:off x="2735144" y="2909370"/>
+            <a:ext cx="6604065" cy="3714787"/>
+          </a:xfrm>
+          <a:prstGeom prst="rect">
+            <a:avLst/>
+          </a:prstGeom>
+        </p:spPr>
+      </p:pic>
+    </p:spTree>
+    <p:extLst>
+      <p:ext uri="{BB962C8B-B14F-4D97-AF65-F5344CB8AC3E}">
+        <p14:creationId xmlns:p14="http://schemas.microsoft.com/office/powerpoint/2010/main" val="3823688641"/>
+      </p:ext>
+    </p:extLst>
+  </p:cSld>
+  <p:clrMapOvr>
+    <a:masterClrMapping/>
+  </p:clrMapOvr>
+</p:sld>
+</file>
+
+<file path=ppt/slides/slide4.xml><?xml version="1.0" encoding="utf-8"?>
+<p:sld xmlns:a="http://schemas.openxmlformats.org/drawingml/2006/main" xmlns:r="http://schemas.openxmlformats.org/officeDocument/2006/relationships" xmlns:p="http://schemas.openxmlformats.org/presentationml/2006/main">
+  <p:cSld>
+    <p:spTree>
+      <p:nvGrpSpPr>
+        <p:cNvPr id="1" name=""/>
+        <p:cNvGrpSpPr/>
+        <p:nvPr/>
+      </p:nvGrpSpPr>
+      <p:grpSpPr>
+        <a:xfrm>
+          <a:off x="0" y="0"/>
+          <a:ext cx="0" cy="0"/>
+          <a:chOff x="0" y="0"/>
+          <a:chExt cx="0" cy="0"/>
+        </a:xfrm>
+      </p:grpSpPr>
+      <p:sp>
+        <p:nvSpPr>
+          <p:cNvPr id="2" name="Title 1"/>
+          <p:cNvSpPr>
+            <a:spLocks noGrp="1"/>
+          </p:cNvSpPr>
+          <p:nvPr>
+            <p:ph type="title"/>
+          </p:nvPr>
+        </p:nvSpPr>
+        <p:spPr/>
+        <p:txBody>
+          <a:bodyPr>
+            <a:normAutofit/>
+          </a:bodyPr>
+          <a:lstStyle/>
+          <a:p>
+            <a:r>
+              <a:rPr lang="en-US" sz="4000" dirty="0"/>
+              <a:t>What is “best of life”?</a:t>
+            </a:r>
+          </a:p>
+        </p:txBody>
+      </p:sp>
+      <p:sp>
+        <p:nvSpPr>
+          <p:cNvPr id="3" name="Content Placeholder 2"/>
+          <p:cNvSpPr>
+            <a:spLocks noGrp="1"/>
+          </p:cNvSpPr>
+          <p:nvPr>
+            <p:ph idx="1"/>
+          </p:nvPr>
+        </p:nvSpPr>
+        <p:spPr/>
+        <p:txBody>
+          <a:bodyPr/>
+          <a:lstStyle/>
+          <a:p>
             <a:endParaRPr lang="en-US" dirty="0"/>
           </a:p>
         </p:txBody>
@@ -5127,106 +5255,6 @@
 </p:sld>
 </file>
 
-<file path=ppt/slides/slide4.xml><?xml version="1.0" encoding="utf-8"?>
-<p:sld xmlns:a="http://schemas.openxmlformats.org/drawingml/2006/main" xmlns:r="http://schemas.openxmlformats.org/officeDocument/2006/relationships" xmlns:p="http://schemas.openxmlformats.org/presentationml/2006/main">
-  <p:cSld>
-    <p:spTree>
-      <p:nvGrpSpPr>
-        <p:cNvPr id="1" name=""/>
-        <p:cNvGrpSpPr/>
-        <p:nvPr/>
-      </p:nvGrpSpPr>
-      <p:grpSpPr>
-        <a:xfrm>
-          <a:off x="0" y="0"/>
-          <a:ext cx="0" cy="0"/>
-          <a:chOff x="0" y="0"/>
-          <a:chExt cx="0" cy="0"/>
-        </a:xfrm>
-      </p:grpSpPr>
-      <p:sp>
-        <p:nvSpPr>
-          <p:cNvPr id="2" name="Title 1"/>
-          <p:cNvSpPr>
-            <a:spLocks noGrp="1"/>
-          </p:cNvSpPr>
-          <p:nvPr>
-            <p:ph type="title"/>
-          </p:nvPr>
-        </p:nvSpPr>
-        <p:spPr/>
-        <p:txBody>
-          <a:bodyPr>
-            <a:normAutofit/>
-          </a:bodyPr>
-          <a:lstStyle/>
-          <a:p>
-            <a:r>
-              <a:rPr lang="en-US" sz="4000" dirty="0"/>
-              <a:t>What is “best of life”?</a:t>
-            </a:r>
-          </a:p>
-        </p:txBody>
-      </p:sp>
-      <p:sp>
-        <p:nvSpPr>
-          <p:cNvPr id="3" name="Content Placeholder 2"/>
-          <p:cNvSpPr>
-            <a:spLocks noGrp="1"/>
-          </p:cNvSpPr>
-          <p:nvPr>
-            <p:ph idx="1"/>
-          </p:nvPr>
-        </p:nvSpPr>
-        <p:spPr/>
-        <p:txBody>
-          <a:bodyPr/>
-          <a:lstStyle/>
-          <a:p>
-            <a:r>
-              <a:rPr lang="en-US" dirty="0"/>
-              <a:t>Essentially, Best of Life is a tool that anyone can use to find the “best of” something within a certain distance from a certain location</a:t>
-            </a:r>
-          </a:p>
-        </p:txBody>
-      </p:sp>
-      <p:pic>
-        <p:nvPicPr>
-          <p:cNvPr id="6" name="Picture 5"/>
-          <p:cNvPicPr>
-            <a:picLocks noChangeAspect="1"/>
-          </p:cNvPicPr>
-          <p:nvPr/>
-        </p:nvPicPr>
-        <p:blipFill>
-          <a:blip r:embed="rId3"/>
-          <a:stretch>
-            <a:fillRect/>
-          </a:stretch>
-        </p:blipFill>
-        <p:spPr>
-          <a:xfrm>
-            <a:off x="2735144" y="2909370"/>
-            <a:ext cx="6604065" cy="3714787"/>
-          </a:xfrm>
-          <a:prstGeom prst="rect">
-            <a:avLst/>
-          </a:prstGeom>
-        </p:spPr>
-      </p:pic>
-    </p:spTree>
-    <p:extLst>
-      <p:ext uri="{BB962C8B-B14F-4D97-AF65-F5344CB8AC3E}">
-        <p14:creationId xmlns:p14="http://schemas.microsoft.com/office/powerpoint/2010/main" val="3823688641"/>
-      </p:ext>
-    </p:extLst>
-  </p:cSld>
-  <p:clrMapOvr>
-    <a:masterClrMapping/>
-  </p:clrMapOvr>
-</p:sld>
-</file>
-
 <file path=ppt/slides/slide5.xml><?xml version="1.0" encoding="utf-8"?>
 <p:sld xmlns:a="http://schemas.openxmlformats.org/drawingml/2006/main" xmlns:r="http://schemas.openxmlformats.org/officeDocument/2006/relationships" xmlns:p="http://schemas.openxmlformats.org/presentationml/2006/main">
   <p:cSld>
@@ -5325,11 +5353,14 @@
             </a:pPr>
             <a:r>
               <a:rPr lang="en-US" sz="2400" dirty="0">
-                <a:hlinkClick r:id="rId3" action="ppaction://hlinkfile"/>
+                <a:hlinkClick r:id="rId4"/>
               </a:rPr>
-              <a:t>index.html</a:t>
-            </a:r>
-            <a:endParaRPr lang="en-US" sz="2400" dirty="0"/>
+              <a:t>https://calm-stream-84659.herokuapp.com/</a:t>
+            </a:r>
+            <a:r>
+              <a:rPr lang="en-US" sz="2400" dirty="0"/>
+              <a:t> </a:t>
+            </a:r>
           </a:p>
         </p:txBody>
       </p:sp>
@@ -5647,11 +5678,14 @@
             </a:pPr>
             <a:r>
               <a:rPr lang="en-US" sz="3200" dirty="0">
-                <a:hlinkClick r:id="rId2" action="ppaction://hlinkfile"/>
+                <a:hlinkClick r:id="rId2"/>
               </a:rPr>
-              <a:t>index.html</a:t>
-            </a:r>
-            <a:endParaRPr lang="en-US" sz="3200" dirty="0"/>
+              <a:t>https://calm-stream-84659.herokuapp.com/</a:t>
+            </a:r>
+            <a:r>
+              <a:rPr lang="en-US" sz="3200" dirty="0"/>
+              <a:t> </a:t>
+            </a:r>
           </a:p>
         </p:txBody>
       </p:sp>
